--- a/Presentation.pptx
+++ b/Presentation.pptx
@@ -20,16 +20,17 @@
     <p:sldId id="265" r:id="rId15"/>
     <p:sldId id="266" r:id="rId16"/>
     <p:sldId id="267" r:id="rId17"/>
+    <p:sldId id="268" r:id="rId18"/>
   </p:sldIdLst>
   <p:sldSz cy="5143500" cx="9144000"/>
   <p:notesSz cx="6858000" cy="9144000"/>
   <p:embeddedFontLst>
     <p:embeddedFont>
       <p:font typeface="Roboto"/>
-      <p:regular r:id="rId18"/>
-      <p:bold r:id="rId19"/>
-      <p:italic r:id="rId20"/>
-      <p:boldItalic r:id="rId21"/>
+      <p:regular r:id="rId19"/>
+      <p:bold r:id="rId20"/>
+      <p:italic r:id="rId21"/>
+      <p:boldItalic r:id="rId22"/>
     </p:embeddedFont>
   </p:embeddedFontLst>
   <p:defaultTextStyle>
@@ -822,7 +823,7 @@
       </p:grpSpPr>
       <p:sp>
         <p:nvSpPr>
-          <p:cNvPr id="142" name="Google Shape;142;g46d430dfd3_0_0:notes"/>
+          <p:cNvPr id="142" name="Google Shape;142;g49deb0c925_6_0:notes"/>
           <p:cNvSpPr/>
           <p:nvPr>
             <p:ph idx="2" type="sldImg"/>
@@ -857,7 +858,7 @@
       </p:sp>
       <p:sp>
         <p:nvSpPr>
-          <p:cNvPr id="143" name="Google Shape;143;g46d430dfd3_0_0:notes"/>
+          <p:cNvPr id="143" name="Google Shape;143;g49deb0c925_6_0:notes"/>
           <p:cNvSpPr txBox="1"/>
           <p:nvPr>
             <p:ph idx="1" type="body"/>
@@ -921,7 +922,7 @@
       </p:grpSpPr>
       <p:sp>
         <p:nvSpPr>
-          <p:cNvPr id="149" name="Google Shape;149;g45d8f473ca_0_0:notes"/>
+          <p:cNvPr id="149" name="Google Shape;149;g49deb0c925_6_6:notes"/>
           <p:cNvSpPr/>
           <p:nvPr>
             <p:ph idx="2" type="sldImg"/>
@@ -956,7 +957,7 @@
       </p:sp>
       <p:sp>
         <p:nvSpPr>
-          <p:cNvPr id="150" name="Google Shape;150;g45d8f473ca_0_0:notes"/>
+          <p:cNvPr id="150" name="Google Shape;150;g49deb0c925_6_6:notes"/>
           <p:cNvSpPr txBox="1"/>
           <p:nvPr>
             <p:ph idx="1" type="body"/>
@@ -1020,7 +1021,7 @@
       </p:grpSpPr>
       <p:sp>
         <p:nvSpPr>
-          <p:cNvPr id="156" name="Google Shape;156;g45d8f473ca_0_6:notes"/>
+          <p:cNvPr id="156" name="Google Shape;156;g4a5cbc4704_0_30:notes"/>
           <p:cNvSpPr/>
           <p:nvPr>
             <p:ph idx="2" type="sldImg"/>
@@ -1055,7 +1056,106 @@
       </p:sp>
       <p:sp>
         <p:nvSpPr>
-          <p:cNvPr id="157" name="Google Shape;157;g45d8f473ca_0_6:notes"/>
+          <p:cNvPr id="157" name="Google Shape;157;g4a5cbc4704_0_30:notes"/>
+          <p:cNvSpPr txBox="1"/>
+          <p:nvPr>
+            <p:ph idx="1" type="body"/>
+          </p:nvPr>
+        </p:nvSpPr>
+        <p:spPr>
+          <a:xfrm>
+            <a:off x="685800" y="4343400"/>
+            <a:ext cx="5486400" cy="4114800"/>
+          </a:xfrm>
+          <a:prstGeom prst="rect">
+            <a:avLst/>
+          </a:prstGeom>
+        </p:spPr>
+        <p:txBody>
+          <a:bodyPr anchorCtr="0" anchor="t" bIns="91425" lIns="91425" spcFirstLastPara="1" rIns="91425" wrap="square" tIns="91425">
+            <a:noAutofit/>
+          </a:bodyPr>
+          <a:lstStyle/>
+          <a:p>
+            <a:pPr indent="0" lvl="0" marL="0" rtl="0" algn="l">
+              <a:spcBef>
+                <a:spcPts val="0"/>
+              </a:spcBef>
+              <a:spcAft>
+                <a:spcPts val="0"/>
+              </a:spcAft>
+              <a:buNone/>
+            </a:pPr>
+            <a:r>
+              <a:t/>
+            </a:r>
+            <a:endParaRPr/>
+          </a:p>
+        </p:txBody>
+      </p:sp>
+    </p:spTree>
+  </p:cSld>
+  <p:clrMapOvr>
+    <a:masterClrMapping/>
+  </p:clrMapOvr>
+</p:notes>
+</file>
+
+<file path=ppt/notesSlides/notesSlide13.xml><?xml version="1.0" encoding="utf-8"?>
+<p:notes xmlns:a="http://schemas.openxmlformats.org/drawingml/2006/main" xmlns:r="http://schemas.openxmlformats.org/officeDocument/2006/relationships" xmlns:mc="http://schemas.openxmlformats.org/markup-compatibility/2006" xmlns:mv="urn:schemas-microsoft-com:mac:vml" xmlns:p="http://schemas.openxmlformats.org/presentationml/2006/main" xmlns:c="http://schemas.openxmlformats.org/drawingml/2006/chart" xmlns:dgm="http://schemas.openxmlformats.org/drawingml/2006/diagram" xmlns:o="urn:schemas-microsoft-com:office:office" xmlns:v="urn:schemas-microsoft-com:vml" xmlns:pvml="urn:schemas-microsoft-com:office:powerpoint" xmlns:com="http://schemas.openxmlformats.org/drawingml/2006/compatibility" xmlns:p14="http://schemas.microsoft.com/office/powerpoint/2010/main" xmlns:p15="http://schemas.microsoft.com/office/powerpoint/2012/main" showMasterPhAnim="0" showMasterSp="0">
+  <p:cSld>
+    <p:spTree>
+      <p:nvGrpSpPr>
+        <p:cNvPr id="161" name="Shape 161"/>
+        <p:cNvGrpSpPr/>
+        <p:nvPr/>
+      </p:nvGrpSpPr>
+      <p:grpSpPr>
+        <a:xfrm>
+          <a:off x="0" y="0"/>
+          <a:ext cx="0" cy="0"/>
+          <a:chOff x="0" y="0"/>
+          <a:chExt cx="0" cy="0"/>
+        </a:xfrm>
+      </p:grpSpPr>
+      <p:sp>
+        <p:nvSpPr>
+          <p:cNvPr id="162" name="Google Shape;162;g4a5cbc4704_0_36:notes"/>
+          <p:cNvSpPr/>
+          <p:nvPr>
+            <p:ph idx="2" type="sldImg"/>
+          </p:nvPr>
+        </p:nvSpPr>
+        <p:spPr>
+          <a:xfrm>
+            <a:off x="381300" y="685800"/>
+            <a:ext cx="6096000" cy="3429000"/>
+          </a:xfrm>
+          <a:custGeom>
+            <a:rect b="b" l="l" r="r" t="t"/>
+            <a:pathLst>
+              <a:path extrusionOk="0" h="120000" w="120000">
+                <a:moveTo>
+                  <a:pt x="0" y="0"/>
+                </a:moveTo>
+                <a:lnTo>
+                  <a:pt x="120000" y="0"/>
+                </a:lnTo>
+                <a:lnTo>
+                  <a:pt x="120000" y="120000"/>
+                </a:lnTo>
+                <a:lnTo>
+                  <a:pt x="0" y="120000"/>
+                </a:lnTo>
+                <a:close/>
+              </a:path>
+            </a:pathLst>
+          </a:custGeom>
+        </p:spPr>
+      </p:sp>
+      <p:sp>
+        <p:nvSpPr>
+          <p:cNvPr id="163" name="Google Shape;163;g4a5cbc4704_0_36:notes"/>
           <p:cNvSpPr txBox="1"/>
           <p:nvPr>
             <p:ph idx="1" type="body"/>
@@ -1317,7 +1417,7 @@
       </p:grpSpPr>
       <p:sp>
         <p:nvSpPr>
-          <p:cNvPr id="101" name="Google Shape;101;g455c5a730d_1_0:notes"/>
+          <p:cNvPr id="101" name="Google Shape;101;g4a5cbc4704_0_0:notes"/>
           <p:cNvSpPr/>
           <p:nvPr>
             <p:ph idx="2" type="sldImg"/>
@@ -1352,7 +1452,7 @@
       </p:sp>
       <p:sp>
         <p:nvSpPr>
-          <p:cNvPr id="102" name="Google Shape;102;g455c5a730d_1_0:notes"/>
+          <p:cNvPr id="102" name="Google Shape;102;g4a5cbc4704_0_0:notes"/>
           <p:cNvSpPr txBox="1"/>
           <p:nvPr>
             <p:ph idx="1" type="body"/>
@@ -1416,7 +1516,7 @@
       </p:grpSpPr>
       <p:sp>
         <p:nvSpPr>
-          <p:cNvPr id="107" name="Google Shape;107;g46d29f1302_0_0:notes"/>
+          <p:cNvPr id="107" name="Google Shape;107;g4a5cbc4704_0_6:notes"/>
           <p:cNvSpPr/>
           <p:nvPr>
             <p:ph idx="2" type="sldImg"/>
@@ -1451,7 +1551,7 @@
       </p:sp>
       <p:sp>
         <p:nvSpPr>
-          <p:cNvPr id="108" name="Google Shape;108;g46d29f1302_0_0:notes"/>
+          <p:cNvPr id="108" name="Google Shape;108;g4a5cbc4704_0_6:notes"/>
           <p:cNvSpPr txBox="1"/>
           <p:nvPr>
             <p:ph idx="1" type="body"/>
@@ -1515,7 +1615,7 @@
       </p:grpSpPr>
       <p:sp>
         <p:nvSpPr>
-          <p:cNvPr id="114" name="Google Shape;114;g46d29f1302_0_7:notes"/>
+          <p:cNvPr id="114" name="Google Shape;114;g4a58139c79_0_0:notes"/>
           <p:cNvSpPr/>
           <p:nvPr>
             <p:ph idx="2" type="sldImg"/>
@@ -1550,7 +1650,7 @@
       </p:sp>
       <p:sp>
         <p:nvSpPr>
-          <p:cNvPr id="115" name="Google Shape;115;g46d29f1302_0_7:notes"/>
+          <p:cNvPr id="115" name="Google Shape;115;g4a58139c79_0_0:notes"/>
           <p:cNvSpPr txBox="1"/>
           <p:nvPr>
             <p:ph idx="1" type="body"/>
@@ -1614,7 +1714,7 @@
       </p:grpSpPr>
       <p:sp>
         <p:nvSpPr>
-          <p:cNvPr id="121" name="Google Shape;121;g4597392630_0_8:notes"/>
+          <p:cNvPr id="121" name="Google Shape;121;g4a5cbc4704_0_12:notes"/>
           <p:cNvSpPr/>
           <p:nvPr>
             <p:ph idx="2" type="sldImg"/>
@@ -1649,7 +1749,7 @@
       </p:sp>
       <p:sp>
         <p:nvSpPr>
-          <p:cNvPr id="122" name="Google Shape;122;g4597392630_0_8:notes"/>
+          <p:cNvPr id="122" name="Google Shape;122;g4a5cbc4704_0_12:notes"/>
           <p:cNvSpPr txBox="1"/>
           <p:nvPr>
             <p:ph idx="1" type="body"/>
@@ -1713,7 +1813,7 @@
       </p:grpSpPr>
       <p:sp>
         <p:nvSpPr>
-          <p:cNvPr id="128" name="Google Shape;128;g4597392630_2_1:notes"/>
+          <p:cNvPr id="128" name="Google Shape;128;g4a5cbc4704_0_18:notes"/>
           <p:cNvSpPr/>
           <p:nvPr>
             <p:ph idx="2" type="sldImg"/>
@@ -1748,7 +1848,7 @@
       </p:sp>
       <p:sp>
         <p:nvSpPr>
-          <p:cNvPr id="129" name="Google Shape;129;g4597392630_2_1:notes"/>
+          <p:cNvPr id="129" name="Google Shape;129;g4a5cbc4704_0_18:notes"/>
           <p:cNvSpPr txBox="1"/>
           <p:nvPr>
             <p:ph idx="1" type="body"/>
@@ -1812,7 +1912,7 @@
       </p:grpSpPr>
       <p:sp>
         <p:nvSpPr>
-          <p:cNvPr id="135" name="Google Shape;135;g4597392630_0_1:notes"/>
+          <p:cNvPr id="135" name="Google Shape;135;g4a5cbc4704_0_24:notes"/>
           <p:cNvSpPr/>
           <p:nvPr>
             <p:ph idx="2" type="sldImg"/>
@@ -1847,7 +1947,7 @@
       </p:sp>
       <p:sp>
         <p:nvSpPr>
-          <p:cNvPr id="136" name="Google Shape;136;g4597392630_0_1:notes"/>
+          <p:cNvPr id="136" name="Google Shape;136;g4a5cbc4704_0_24:notes"/>
           <p:cNvSpPr txBox="1"/>
           <p:nvPr>
             <p:ph idx="1" type="body"/>
@@ -7759,6 +7859,18 @@
     <p:sldLayoutId id="2147483657" r:id="rId10"/>
     <p:sldLayoutId id="2147483658" r:id="rId11"/>
   </p:sldLayoutIdLst>
+  <mc:AlternateContent>
+    <mc:Choice Requires="p14">
+      <p:transition spd="slow" p14:dur="1000">
+        <p:push/>
+      </p:transition>
+    </mc:Choice>
+    <mc:Fallback>
+      <p:transition spd="slow">
+        <p:fade/>
+      </p:transition>
+    </mc:Fallback>
+  </mc:AlternateContent>
   <p:hf dt="0" ftr="0" hdr="0" sldNum="0"/>
   <p:txStyles>
     <p:titleStyle>
@@ -8608,7 +8720,7 @@
             </a:pPr>
             <a:r>
               <a:rPr lang="en"/>
-              <a:t>Blockers</a:t>
+              <a:t>The cart</a:t>
             </a:r>
             <a:endParaRPr/>
           </a:p>
@@ -8624,8 +8736,8 @@
         </p:nvSpPr>
         <p:spPr>
           <a:xfrm>
-            <a:off x="311700" y="938050"/>
-            <a:ext cx="8520600" cy="3639900"/>
+            <a:off x="6364200" y="1133413"/>
+            <a:ext cx="2779800" cy="3339000"/>
           </a:xfrm>
           <a:prstGeom prst="rect">
             <a:avLst/>
@@ -8642,92 +8754,13 @@
                 <a:spcPts val="0"/>
               </a:spcBef>
               <a:spcAft>
-                <a:spcPts val="0"/>
+                <a:spcPts val="1600"/>
               </a:spcAft>
               <a:buNone/>
             </a:pPr>
             <a:r>
               <a:rPr lang="en"/>
-              <a:t>Ruby on Rails and Triggers</a:t>
-            </a:r>
-            <a:endParaRPr/>
-          </a:p>
-          <a:p>
-            <a:pPr indent="-342900" lvl="0" marL="457200" rtl="0" algn="l">
-              <a:spcBef>
-                <a:spcPts val="1600"/>
-              </a:spcBef>
-              <a:spcAft>
-                <a:spcPts val="0"/>
-              </a:spcAft>
-              <a:buSzPts val="1800"/>
-              <a:buAutoNum type="arabicPeriod"/>
-            </a:pPr>
-            <a:r>
-              <a:rPr lang="en"/>
-              <a:t>HairTrigger </a:t>
-            </a:r>
-            <a:endParaRPr/>
-          </a:p>
-          <a:p>
-            <a:pPr indent="-342900" lvl="0" marL="457200" rtl="0" algn="l">
-              <a:spcBef>
-                <a:spcPts val="0"/>
-              </a:spcBef>
-              <a:spcAft>
-                <a:spcPts val="0"/>
-              </a:spcAft>
-              <a:buSzPts val="1800"/>
-              <a:buAutoNum type="arabicPeriod"/>
-            </a:pPr>
-            <a:r>
-              <a:rPr lang="en"/>
-              <a:t>Active Record Callbacks</a:t>
-            </a:r>
-            <a:endParaRPr/>
-          </a:p>
-          <a:p>
-            <a:pPr indent="0" lvl="0" marL="0" rtl="0" algn="l">
-              <a:spcBef>
-                <a:spcPts val="1600"/>
-              </a:spcBef>
-              <a:spcAft>
-                <a:spcPts val="0"/>
-              </a:spcAft>
-              <a:buNone/>
-            </a:pPr>
-            <a:r>
-              <a:t/>
-            </a:r>
-            <a:endParaRPr/>
-          </a:p>
-          <a:p>
-            <a:pPr indent="0" lvl="0" marL="0" rtl="0" algn="l">
-              <a:spcBef>
-                <a:spcPts val="1600"/>
-              </a:spcBef>
-              <a:spcAft>
-                <a:spcPts val="0"/>
-              </a:spcAft>
-              <a:buNone/>
-            </a:pPr>
-            <a:r>
-              <a:t/>
-            </a:r>
-            <a:endParaRPr/>
-          </a:p>
-          <a:p>
-            <a:pPr indent="0" lvl="0" marL="0" rtl="0" algn="l">
-              <a:spcBef>
-                <a:spcPts val="1600"/>
-              </a:spcBef>
-              <a:spcAft>
-                <a:spcPts val="1600"/>
-              </a:spcAft>
-              <a:buNone/>
-            </a:pPr>
-            <a:r>
-              <a:t/>
+              <a:t>All products in cart belong to one user. Each entry has product id and a quantity.</a:t>
             </a:r>
             <a:endParaRPr/>
           </a:p>
@@ -8749,8 +8782,8 @@
         </p:blipFill>
         <p:spPr>
           <a:xfrm>
-            <a:off x="5784300" y="310475"/>
-            <a:ext cx="3048000" cy="3533775"/>
+            <a:off x="264825" y="967300"/>
+            <a:ext cx="6080400" cy="3671225"/>
           </a:xfrm>
           <a:prstGeom prst="rect">
             <a:avLst/>
@@ -8810,20 +8843,17 @@
           <a:lstStyle/>
           <a:p>
             <a:pPr indent="0" lvl="0" marL="0" rtl="0" algn="l">
-              <a:lnSpc>
-                <a:spcPct val="115000"/>
-              </a:lnSpc>
-              <a:spcBef>
-                <a:spcPts val="0"/>
-              </a:spcBef>
-              <a:spcAft>
-                <a:spcPts val="1600"/>
+              <a:spcBef>
+                <a:spcPts val="0"/>
+              </a:spcBef>
+              <a:spcAft>
+                <a:spcPts val="0"/>
               </a:spcAft>
               <a:buNone/>
             </a:pPr>
             <a:r>
               <a:rPr lang="en"/>
-              <a:t>More Blockers</a:t>
+              <a:t>The orders </a:t>
             </a:r>
             <a:endParaRPr/>
           </a:p>
@@ -8833,157 +8863,39 @@
         <p:nvSpPr>
           <p:cNvPr id="153" name="Google Shape;153;p23"/>
           <p:cNvSpPr txBox="1"/>
-          <p:nvPr/>
+          <p:nvPr>
+            <p:ph idx="1" type="body"/>
+          </p:nvPr>
         </p:nvSpPr>
         <p:spPr>
           <a:xfrm>
-            <a:off x="311700" y="1203775"/>
-            <a:ext cx="8315400" cy="3000000"/>
+            <a:off x="311700" y="1926100"/>
+            <a:ext cx="8520600" cy="2642700"/>
           </a:xfrm>
           <a:prstGeom prst="rect">
             <a:avLst/>
           </a:prstGeom>
-          <a:noFill/>
-          <a:ln>
-            <a:noFill/>
-          </a:ln>
         </p:spPr>
         <p:txBody>
-          <a:bodyPr anchorCtr="0" anchor="ctr" bIns="91425" lIns="91425" spcFirstLastPara="1" rIns="91425" wrap="square" tIns="91425">
+          <a:bodyPr anchorCtr="0" anchor="t" bIns="91425" lIns="91425" spcFirstLastPara="1" rIns="91425" wrap="square" tIns="91425">
             <a:noAutofit/>
           </a:bodyPr>
           <a:lstStyle/>
           <a:p>
             <a:pPr indent="0" lvl="0" marL="0" rtl="0" algn="l">
-              <a:lnSpc>
-                <a:spcPct val="115000"/>
-              </a:lnSpc>
-              <a:spcBef>
-                <a:spcPts val="0"/>
-              </a:spcBef>
-              <a:spcAft>
-                <a:spcPts val="0"/>
+              <a:spcBef>
+                <a:spcPts val="0"/>
+              </a:spcBef>
+              <a:spcAft>
+                <a:spcPts val="1600"/>
               </a:spcAft>
               <a:buNone/>
             </a:pPr>
             <a:r>
-              <a:t/>
+              <a:rPr lang="en"/>
+              <a:t>Each order has an order id and it belongs to a customer. One product per entry.</a:t>
             </a:r>
-            <a:endParaRPr sz="1800">
-              <a:solidFill>
-                <a:schemeClr val="dk2"/>
-              </a:solidFill>
-              <a:latin typeface="Roboto"/>
-              <a:ea typeface="Roboto"/>
-              <a:cs typeface="Roboto"/>
-              <a:sym typeface="Roboto"/>
-            </a:endParaRPr>
-          </a:p>
-          <a:p>
-            <a:pPr indent="0" lvl="0" marL="0" rtl="0" algn="l">
-              <a:lnSpc>
-                <a:spcPct val="115000"/>
-              </a:lnSpc>
-              <a:spcBef>
-                <a:spcPts val="1600"/>
-              </a:spcBef>
-              <a:spcAft>
-                <a:spcPts val="0"/>
-              </a:spcAft>
-              <a:buNone/>
-            </a:pPr>
-            <a:r>
-              <a:t/>
-            </a:r>
-            <a:endParaRPr sz="1800">
-              <a:solidFill>
-                <a:schemeClr val="dk2"/>
-              </a:solidFill>
-              <a:latin typeface="Roboto"/>
-              <a:ea typeface="Roboto"/>
-              <a:cs typeface="Roboto"/>
-              <a:sym typeface="Roboto"/>
-            </a:endParaRPr>
-          </a:p>
-          <a:p>
-            <a:pPr indent="-342900" lvl="0" marL="457200" rtl="0" algn="l">
-              <a:lnSpc>
-                <a:spcPct val="115000"/>
-              </a:lnSpc>
-              <a:spcBef>
-                <a:spcPts val="1600"/>
-              </a:spcBef>
-              <a:spcAft>
-                <a:spcPts val="0"/>
-              </a:spcAft>
-              <a:buClr>
-                <a:schemeClr val="dk2"/>
-              </a:buClr>
-              <a:buSzPts val="1800"/>
-              <a:buFont typeface="Roboto"/>
-              <a:buChar char="●"/>
-            </a:pPr>
-            <a:r>
-              <a:rPr lang="en" sz="1800">
-                <a:solidFill>
-                  <a:schemeClr val="dk2"/>
-                </a:solidFill>
-                <a:latin typeface="Roboto"/>
-                <a:ea typeface="Roboto"/>
-                <a:cs typeface="Roboto"/>
-                <a:sym typeface="Roboto"/>
-              </a:rPr>
-              <a:t>It gives me an error with "order_id.itemQuantity"</a:t>
-            </a:r>
-            <a:endParaRPr sz="1800">
-              <a:solidFill>
-                <a:schemeClr val="dk2"/>
-              </a:solidFill>
-              <a:latin typeface="Roboto"/>
-              <a:ea typeface="Roboto"/>
-              <a:cs typeface="Roboto"/>
-              <a:sym typeface="Roboto"/>
-            </a:endParaRPr>
-          </a:p>
-          <a:p>
-            <a:pPr indent="-342900" lvl="0" marL="457200" rtl="0" algn="l">
-              <a:lnSpc>
-                <a:spcPct val="115000"/>
-              </a:lnSpc>
-              <a:spcBef>
-                <a:spcPts val="0"/>
-              </a:spcBef>
-              <a:spcAft>
-                <a:spcPts val="0"/>
-              </a:spcAft>
-              <a:buClr>
-                <a:schemeClr val="dk2"/>
-              </a:buClr>
-              <a:buSzPts val="1800"/>
-              <a:buFont typeface="Roboto"/>
-              <a:buChar char="●"/>
-            </a:pPr>
-            <a:r>
-              <a:rPr lang="en" sz="1800">
-                <a:solidFill>
-                  <a:schemeClr val="dk2"/>
-                </a:solidFill>
-                <a:latin typeface="Roboto"/>
-                <a:ea typeface="Roboto"/>
-                <a:cs typeface="Roboto"/>
-                <a:sym typeface="Roboto"/>
-              </a:rPr>
-              <a:t>It worked when quantity is set to "-1" but obviously I want it to decrement based on how many "itemQuantity" is. </a:t>
-            </a:r>
-            <a:endParaRPr sz="1800">
-              <a:solidFill>
-                <a:schemeClr val="dk2"/>
-              </a:solidFill>
-              <a:latin typeface="Roboto"/>
-              <a:ea typeface="Roboto"/>
-              <a:cs typeface="Roboto"/>
-              <a:sym typeface="Roboto"/>
-            </a:endParaRPr>
+            <a:endParaRPr/>
           </a:p>
         </p:txBody>
       </p:sp>
@@ -9003,8 +8915,8 @@
         </p:blipFill>
         <p:spPr>
           <a:xfrm>
-            <a:off x="79025" y="1017800"/>
-            <a:ext cx="8810342" cy="1553950"/>
+            <a:off x="131450" y="1123926"/>
+            <a:ext cx="8028450" cy="737250"/>
           </a:xfrm>
           <a:prstGeom prst="rect">
             <a:avLst/>
@@ -9074,7 +8986,7 @@
             </a:pPr>
             <a:r>
               <a:rPr lang="en"/>
-              <a:t>Event Scheduler/ Shipments</a:t>
+              <a:t>Roadblocks </a:t>
             </a:r>
             <a:endParaRPr/>
           </a:p>
@@ -9090,8 +9002,8 @@
         </p:nvSpPr>
         <p:spPr>
           <a:xfrm>
-            <a:off x="353025" y="1017800"/>
-            <a:ext cx="6674100" cy="521100"/>
+            <a:off x="311700" y="1229875"/>
+            <a:ext cx="8520600" cy="3339000"/>
           </a:xfrm>
           <a:prstGeom prst="rect">
             <a:avLst/>
@@ -9103,26 +9015,160 @@
           </a:bodyPr>
           <a:lstStyle/>
           <a:p>
-            <a:pPr indent="0" lvl="0" marL="0" rtl="0" algn="l">
-              <a:spcBef>
-                <a:spcPts val="0"/>
-              </a:spcBef>
-              <a:spcAft>
-                <a:spcPts val="1600"/>
-              </a:spcAft>
-              <a:buNone/>
+            <a:pPr indent="-342900" lvl="0" marL="457200" rtl="0" algn="l">
+              <a:spcBef>
+                <a:spcPts val="0"/>
+              </a:spcBef>
+              <a:spcAft>
+                <a:spcPts val="0"/>
+              </a:spcAft>
+              <a:buSzPts val="1800"/>
+              <a:buChar char="●"/>
             </a:pPr>
             <a:r>
               <a:rPr lang="en"/>
-              <a:t>MySQL Events are tasks that run according to a schedule.</a:t>
+              <a:t>Triggers</a:t>
+            </a:r>
+            <a:endParaRPr/>
+          </a:p>
+          <a:p>
+            <a:pPr indent="-342900" lvl="0" marL="457200" rtl="0" algn="l">
+              <a:spcBef>
+                <a:spcPts val="0"/>
+              </a:spcBef>
+              <a:spcAft>
+                <a:spcPts val="0"/>
+              </a:spcAft>
+              <a:buSzPts val="1800"/>
+              <a:buChar char="●"/>
+            </a:pPr>
+            <a:r>
+              <a:rPr lang="en"/>
+              <a:t>Cart Page -&gt; using the right data structure, displaying the right products</a:t>
+            </a:r>
+            <a:endParaRPr/>
+          </a:p>
+          <a:p>
+            <a:pPr indent="-342900" lvl="0" marL="457200" rtl="0" algn="l">
+              <a:spcBef>
+                <a:spcPts val="0"/>
+              </a:spcBef>
+              <a:spcAft>
+                <a:spcPts val="0"/>
+              </a:spcAft>
+              <a:buSzPts val="1800"/>
+              <a:buChar char="●"/>
+            </a:pPr>
+            <a:r>
+              <a:rPr lang="en"/>
+              <a:t>/admin </a:t>
+            </a:r>
+            <a:r>
+              <a:rPr lang="en"/>
+              <a:t>security</a:t>
+            </a:r>
+            <a:endParaRPr/>
+          </a:p>
+          <a:p>
+            <a:pPr indent="0" lvl="0" marL="457200" rtl="0" algn="l">
+              <a:spcBef>
+                <a:spcPts val="1600"/>
+              </a:spcBef>
+              <a:spcAft>
+                <a:spcPts val="1600"/>
+              </a:spcAft>
+              <a:buNone/>
+            </a:pPr>
+            <a:r>
+              <a:t/>
             </a:r>
             <a:endParaRPr/>
           </a:p>
         </p:txBody>
       </p:sp>
+    </p:spTree>
+  </p:cSld>
+  <p:clrMapOvr>
+    <a:masterClrMapping/>
+  </p:clrMapOvr>
+</p:sld>
+</file>
+
+<file path=ppt/slides/slide13.xml><?xml version="1.0" encoding="utf-8"?>
+<p:sld xmlns:a="http://schemas.openxmlformats.org/drawingml/2006/main" xmlns:r="http://schemas.openxmlformats.org/officeDocument/2006/relationships" xmlns:mc="http://schemas.openxmlformats.org/markup-compatibility/2006" xmlns:mv="urn:schemas-microsoft-com:mac:vml" xmlns:p="http://schemas.openxmlformats.org/presentationml/2006/main" xmlns:c="http://schemas.openxmlformats.org/drawingml/2006/chart" xmlns:dgm="http://schemas.openxmlformats.org/drawingml/2006/diagram" xmlns:o="urn:schemas-microsoft-com:office:office" xmlns:v="urn:schemas-microsoft-com:vml" xmlns:pvml="urn:schemas-microsoft-com:office:powerpoint" xmlns:com="http://schemas.openxmlformats.org/drawingml/2006/compatibility" xmlns:p14="http://schemas.microsoft.com/office/powerpoint/2010/main" xmlns:p15="http://schemas.microsoft.com/office/powerpoint/2012/main">
+  <p:cSld>
+    <p:spTree>
+      <p:nvGrpSpPr>
+        <p:cNvPr id="164" name="Shape 164"/>
+        <p:cNvGrpSpPr/>
+        <p:nvPr/>
+      </p:nvGrpSpPr>
+      <p:grpSpPr>
+        <a:xfrm>
+          <a:off x="0" y="0"/>
+          <a:ext cx="0" cy="0"/>
+          <a:chOff x="0" y="0"/>
+          <a:chExt cx="0" cy="0"/>
+        </a:xfrm>
+      </p:grpSpPr>
+      <p:sp>
+        <p:nvSpPr>
+          <p:cNvPr id="165" name="Google Shape;165;p25"/>
+          <p:cNvSpPr txBox="1"/>
+          <p:nvPr>
+            <p:ph type="title"/>
+          </p:nvPr>
+        </p:nvSpPr>
+        <p:spPr>
+          <a:xfrm>
+            <a:off x="311700" y="410000"/>
+            <a:ext cx="8520600" cy="4392600"/>
+          </a:xfrm>
+          <a:prstGeom prst="rect">
+            <a:avLst/>
+          </a:prstGeom>
+        </p:spPr>
+        <p:txBody>
+          <a:bodyPr anchorCtr="0" anchor="ctr" bIns="91425" lIns="91425" spcFirstLastPara="1" rIns="91425" wrap="square" tIns="91425">
+            <a:noAutofit/>
+          </a:bodyPr>
+          <a:lstStyle/>
+          <a:p>
+            <a:pPr indent="0" lvl="0" marL="0" rtl="0" algn="l">
+              <a:spcBef>
+                <a:spcPts val="0"/>
+              </a:spcBef>
+              <a:spcAft>
+                <a:spcPts val="0"/>
+              </a:spcAft>
+              <a:buNone/>
+            </a:pPr>
+            <a:r>
+              <a:rPr lang="en" sz="6000"/>
+              <a:t>Demo</a:t>
+            </a:r>
+            <a:endParaRPr sz="6000"/>
+          </a:p>
+          <a:p>
+            <a:pPr indent="0" lvl="0" marL="0" rtl="0" algn="l">
+              <a:spcBef>
+                <a:spcPts val="0"/>
+              </a:spcBef>
+              <a:spcAft>
+                <a:spcPts val="0"/>
+              </a:spcAft>
+              <a:buNone/>
+            </a:pPr>
+            <a:r>
+              <a:t/>
+            </a:r>
+            <a:endParaRPr sz="6000"/>
+          </a:p>
+        </p:txBody>
+      </p:sp>
       <p:pic>
         <p:nvPicPr>
-          <p:cNvPr id="161" name="Google Shape;161;p24"/>
+          <p:cNvPr id="166" name="Google Shape;166;p25"/>
           <p:cNvPicPr preferRelativeResize="0"/>
           <p:nvPr/>
         </p:nvPicPr>
@@ -9136,35 +9182,8 @@
         </p:blipFill>
         <p:spPr>
           <a:xfrm>
-            <a:off x="353025" y="1417150"/>
-            <a:ext cx="7418351" cy="3206525"/>
-          </a:xfrm>
-          <a:prstGeom prst="rect">
-            <a:avLst/>
-          </a:prstGeom>
-          <a:noFill/>
-          <a:ln>
-            <a:noFill/>
-          </a:ln>
-        </p:spPr>
-      </p:pic>
-      <p:pic>
-        <p:nvPicPr>
-          <p:cNvPr id="162" name="Google Shape;162;p24"/>
-          <p:cNvPicPr preferRelativeResize="0"/>
-          <p:nvPr/>
-        </p:nvPicPr>
-        <p:blipFill rotWithShape="1">
-          <a:blip r:embed="rId4">
-            <a:alphaModFix/>
-          </a:blip>
-          <a:srcRect b="28641" l="10362" r="12768" t="17368"/>
-          <a:stretch/>
-        </p:blipFill>
-        <p:spPr>
-          <a:xfrm rot="1505995">
-            <a:off x="6625300" y="468225"/>
-            <a:ext cx="2471451" cy="1185550"/>
+            <a:off x="2770301" y="330600"/>
+            <a:ext cx="2982950" cy="4392700"/>
           </a:xfrm>
           <a:prstGeom prst="rect">
             <a:avLst/>
@@ -9385,7 +9404,7 @@
             </a:pPr>
             <a:r>
               <a:rPr lang="en"/>
-              <a:t>The Deliverable</a:t>
+              <a:t>The Database</a:t>
             </a:r>
             <a:endParaRPr/>
           </a:p>
@@ -9414,28 +9433,9 @@
           </a:bodyPr>
           <a:lstStyle/>
           <a:p>
-            <a:pPr indent="0" lvl="0" marL="0" marR="0" rtl="0" algn="l">
-              <a:lnSpc>
-                <a:spcPct val="115000"/>
-              </a:lnSpc>
-              <a:spcBef>
-                <a:spcPts val="0"/>
-              </a:spcBef>
-              <a:spcAft>
-                <a:spcPts val="0"/>
-              </a:spcAft>
-              <a:buNone/>
-            </a:pPr>
-            <a:r>
-              <a:rPr lang="en"/>
-              <a:t>Administration Page</a:t>
-            </a:r>
-            <a:endParaRPr/>
-          </a:p>
-          <a:p>
             <a:pPr indent="0" lvl="0" marL="0" rtl="0" algn="l">
               <a:spcBef>
-                <a:spcPts val="1600"/>
+                <a:spcPts val="0"/>
               </a:spcBef>
               <a:spcAft>
                 <a:spcPts val="0"/>
@@ -9470,18 +9470,17 @@
           <p:cNvPicPr preferRelativeResize="0"/>
           <p:nvPr/>
         </p:nvPicPr>
-        <p:blipFill>
+        <p:blipFill rotWithShape="1">
           <a:blip r:embed="rId3">
             <a:alphaModFix/>
           </a:blip>
-          <a:stretch>
-            <a:fillRect/>
-          </a:stretch>
+          <a:srcRect b="21061" l="6861" r="6279" t="22045"/>
+          <a:stretch/>
         </p:blipFill>
         <p:spPr>
           <a:xfrm>
-            <a:off x="311700" y="1721963"/>
-            <a:ext cx="8324850" cy="2009775"/>
+            <a:off x="496125" y="1108350"/>
+            <a:ext cx="8151751" cy="3984525"/>
           </a:xfrm>
           <a:prstGeom prst="rect">
             <a:avLst/>
@@ -9551,48 +9550,150 @@
             </a:pPr>
             <a:r>
               <a:rPr lang="en"/>
-              <a:t>The </a:t>
-            </a:r>
-            <a:r>
-              <a:rPr lang="en"/>
-              <a:t>Administration</a:t>
-            </a:r>
-            <a:r>
-              <a:rPr lang="en"/>
-              <a:t> Page</a:t>
+              <a:t>Constraints</a:t>
             </a:r>
             <a:endParaRPr/>
           </a:p>
         </p:txBody>
       </p:sp>
-      <p:pic>
-        <p:nvPicPr>
+      <p:sp>
+        <p:nvSpPr>
           <p:cNvPr id="105" name="Google Shape;105;p16"/>
-          <p:cNvPicPr preferRelativeResize="0"/>
-          <p:nvPr/>
-        </p:nvPicPr>
-        <p:blipFill>
-          <a:blip r:embed="rId3">
-            <a:alphaModFix/>
-          </a:blip>
-          <a:stretch>
-            <a:fillRect/>
-          </a:stretch>
-        </p:blipFill>
+          <p:cNvSpPr txBox="1"/>
+          <p:nvPr>
+            <p:ph idx="1" type="body"/>
+          </p:nvPr>
+        </p:nvSpPr>
         <p:spPr>
           <a:xfrm>
-            <a:off x="1235113" y="1017800"/>
-            <a:ext cx="6673778" cy="3973302"/>
+            <a:off x="311700" y="1229875"/>
+            <a:ext cx="8520600" cy="3339000"/>
           </a:xfrm>
           <a:prstGeom prst="rect">
             <a:avLst/>
           </a:prstGeom>
-          <a:noFill/>
-          <a:ln>
-            <a:noFill/>
-          </a:ln>
         </p:spPr>
-      </p:pic>
+        <p:txBody>
+          <a:bodyPr anchorCtr="0" anchor="t" bIns="91425" lIns="91425" spcFirstLastPara="1" rIns="91425" wrap="square" tIns="91425">
+            <a:noAutofit/>
+          </a:bodyPr>
+          <a:lstStyle/>
+          <a:p>
+            <a:pPr indent="-342900" lvl="0" marL="457200" rtl="0" algn="l">
+              <a:spcBef>
+                <a:spcPts val="0"/>
+              </a:spcBef>
+              <a:spcAft>
+                <a:spcPts val="0"/>
+              </a:spcAft>
+              <a:buSzPts val="1800"/>
+              <a:buChar char="●"/>
+            </a:pPr>
+            <a:r>
+              <a:rPr lang="en"/>
+              <a:t>Primary Keys</a:t>
+            </a:r>
+            <a:endParaRPr/>
+          </a:p>
+          <a:p>
+            <a:pPr indent="-317500" lvl="1" marL="914400" rtl="0" algn="l">
+              <a:spcBef>
+                <a:spcPts val="0"/>
+              </a:spcBef>
+              <a:spcAft>
+                <a:spcPts val="0"/>
+              </a:spcAft>
+              <a:buSzPts val="1400"/>
+              <a:buChar char="○"/>
+            </a:pPr>
+            <a:r>
+              <a:rPr lang="en"/>
+              <a:t>employee_id, customer_id, not null</a:t>
+            </a:r>
+            <a:endParaRPr/>
+          </a:p>
+          <a:p>
+            <a:pPr indent="-342900" lvl="0" marL="457200" rtl="0" algn="l">
+              <a:spcBef>
+                <a:spcPts val="0"/>
+              </a:spcBef>
+              <a:spcAft>
+                <a:spcPts val="0"/>
+              </a:spcAft>
+              <a:buSzPts val="1800"/>
+              <a:buChar char="●"/>
+            </a:pPr>
+            <a:r>
+              <a:rPr lang="en"/>
+              <a:t>Foreign</a:t>
+            </a:r>
+            <a:r>
+              <a:rPr lang="en"/>
+              <a:t> Keys</a:t>
+            </a:r>
+            <a:endParaRPr/>
+          </a:p>
+          <a:p>
+            <a:pPr indent="-317500" lvl="1" marL="914400" rtl="0" algn="l">
+              <a:spcBef>
+                <a:spcPts val="0"/>
+              </a:spcBef>
+              <a:spcAft>
+                <a:spcPts val="0"/>
+              </a:spcAft>
+              <a:buSzPts val="1400"/>
+              <a:buChar char="○"/>
+            </a:pPr>
+            <a:r>
+              <a:rPr lang="en"/>
+              <a:t>c</a:t>
+            </a:r>
+            <a:r>
+              <a:rPr lang="en"/>
+              <a:t>ustomer_id in the orders table</a:t>
+            </a:r>
+            <a:endParaRPr/>
+          </a:p>
+          <a:p>
+            <a:pPr indent="-317500" lvl="1" marL="914400" rtl="0" algn="l">
+              <a:spcBef>
+                <a:spcPts val="0"/>
+              </a:spcBef>
+              <a:spcAft>
+                <a:spcPts val="0"/>
+              </a:spcAft>
+              <a:buSzPts val="1400"/>
+              <a:buChar char="○"/>
+            </a:pPr>
+            <a:r>
+              <a:rPr lang="en"/>
+              <a:t>p</a:t>
+            </a:r>
+            <a:r>
+              <a:rPr lang="en"/>
+              <a:t>uduct_id in orders table</a:t>
+            </a:r>
+            <a:endParaRPr/>
+          </a:p>
+          <a:p>
+            <a:pPr indent="-317500" lvl="1" marL="914400" rtl="0" algn="l">
+              <a:spcBef>
+                <a:spcPts val="0"/>
+              </a:spcBef>
+              <a:spcAft>
+                <a:spcPts val="0"/>
+              </a:spcAft>
+              <a:buSzPts val="1400"/>
+              <a:buChar char="○"/>
+            </a:pPr>
+            <a:r>
+              <a:rPr lang="en"/>
+              <a:t>department_name in employees table</a:t>
+            </a:r>
+            <a:endParaRPr/>
+          </a:p>
+        </p:txBody>
+      </p:sp>
     </p:spTree>
   </p:cSld>
   <p:clrMapOvr>
@@ -9651,7 +9752,8 @@
               <a:buNone/>
             </a:pPr>
             <a:r>
-              <a:t/>
+              <a:rPr lang="en"/>
+              <a:t>Triggers</a:t>
             </a:r>
             <a:endParaRPr/>
           </a:p>
@@ -9685,6 +9787,21 @@
                 <a:spcPts val="0"/>
               </a:spcBef>
               <a:spcAft>
+                <a:spcPts val="0"/>
+              </a:spcAft>
+              <a:buNone/>
+            </a:pPr>
+            <a:r>
+              <a:t/>
+            </a:r>
+            <a:endParaRPr/>
+          </a:p>
+          <a:p>
+            <a:pPr indent="0" lvl="0" marL="0" rtl="0" algn="l">
+              <a:spcBef>
+                <a:spcPts val="1600"/>
+              </a:spcBef>
+              <a:spcAft>
                 <a:spcPts val="1600"/>
               </a:spcAft>
               <a:buNone/>
@@ -9712,8 +9829,8 @@
         </p:blipFill>
         <p:spPr>
           <a:xfrm>
-            <a:off x="477575" y="1334803"/>
-            <a:ext cx="7437274" cy="1824875"/>
+            <a:off x="895350" y="1314450"/>
+            <a:ext cx="7353300" cy="2514600"/>
           </a:xfrm>
           <a:prstGeom prst="rect">
             <a:avLst/>
@@ -9782,7 +9899,8 @@
               <a:buNone/>
             </a:pPr>
             <a:r>
-              <a:t/>
+              <a:rPr lang="en"/>
+              <a:t>Events</a:t>
             </a:r>
             <a:endParaRPr/>
           </a:p>
@@ -9843,8 +9961,8 @@
         </p:blipFill>
         <p:spPr>
           <a:xfrm>
-            <a:off x="583376" y="216425"/>
-            <a:ext cx="6464600" cy="4447951"/>
+            <a:off x="727638" y="1229875"/>
+            <a:ext cx="7688725" cy="3339000"/>
           </a:xfrm>
           <a:prstGeom prst="rect">
             <a:avLst/>
@@ -9913,7 +10031,8 @@
               <a:buNone/>
             </a:pPr>
             <a:r>
-              <a:t/>
+              <a:rPr lang="en"/>
+              <a:t>Ruby on Rails Customer Page</a:t>
             </a:r>
             <a:endParaRPr/>
           </a:p>
@@ -9947,6 +10066,21 @@
                 <a:spcPts val="0"/>
               </a:spcBef>
               <a:spcAft>
+                <a:spcPts val="0"/>
+              </a:spcAft>
+              <a:buNone/>
+            </a:pPr>
+            <a:r>
+              <a:t/>
+            </a:r>
+            <a:endParaRPr/>
+          </a:p>
+          <a:p>
+            <a:pPr indent="0" lvl="0" marL="0" rtl="0" algn="l">
+              <a:spcBef>
+                <a:spcPts val="1600"/>
+              </a:spcBef>
+              <a:spcAft>
                 <a:spcPts val="1600"/>
               </a:spcAft>
               <a:buNone/>
@@ -9974,8 +10108,8 @@
         </p:blipFill>
         <p:spPr>
           <a:xfrm>
-            <a:off x="59325" y="1139750"/>
-            <a:ext cx="8669474" cy="2972175"/>
+            <a:off x="789925" y="1093500"/>
+            <a:ext cx="7564153" cy="4049998"/>
           </a:xfrm>
           <a:prstGeom prst="rect">
             <a:avLst/>
@@ -10044,7 +10178,8 @@
               <a:buNone/>
             </a:pPr>
             <a:r>
-              <a:t/>
+              <a:rPr lang="en"/>
+              <a:t>Ruby on Rails Admin Page</a:t>
             </a:r>
             <a:endParaRPr/>
           </a:p>
@@ -10073,9 +10208,42 @@
           </a:bodyPr>
           <a:lstStyle/>
           <a:p>
+            <a:pPr indent="0" lvl="0" marL="0" marR="0" rtl="0" algn="l">
+              <a:lnSpc>
+                <a:spcPct val="115000"/>
+              </a:lnSpc>
+              <a:spcBef>
+                <a:spcPts val="0"/>
+              </a:spcBef>
+              <a:spcAft>
+                <a:spcPts val="0"/>
+              </a:spcAft>
+              <a:buNone/>
+            </a:pPr>
+            <a:r>
+              <a:t/>
+            </a:r>
+            <a:endParaRPr/>
+          </a:p>
+          <a:p>
             <a:pPr indent="0" lvl="0" marL="0" rtl="0" algn="l">
               <a:spcBef>
-                <a:spcPts val="0"/>
+                <a:spcPts val="1600"/>
+              </a:spcBef>
+              <a:spcAft>
+                <a:spcPts val="0"/>
+              </a:spcAft>
+              <a:buNone/>
+            </a:pPr>
+            <a:r>
+              <a:t/>
+            </a:r>
+            <a:endParaRPr/>
+          </a:p>
+          <a:p>
+            <a:pPr indent="0" lvl="0" marL="0" rtl="0" algn="l">
+              <a:spcBef>
+                <a:spcPts val="1600"/>
               </a:spcBef>
               <a:spcAft>
                 <a:spcPts val="1600"/>
@@ -10105,8 +10273,8 @@
         </p:blipFill>
         <p:spPr>
           <a:xfrm>
-            <a:off x="515925" y="104600"/>
-            <a:ext cx="4292050" cy="4721476"/>
+            <a:off x="1235113" y="1017800"/>
+            <a:ext cx="6673778" cy="3973302"/>
           </a:xfrm>
           <a:prstGeom prst="rect">
             <a:avLst/>
@@ -10176,7 +10344,7 @@
             </a:pPr>
             <a:r>
               <a:rPr lang="en"/>
-              <a:t>Contact Page</a:t>
+              <a:t>Ruby on Rails Products Page</a:t>
             </a:r>
             <a:endParaRPr/>
           </a:p>
@@ -10210,6 +10378,21 @@
                 <a:spcPts val="0"/>
               </a:spcBef>
               <a:spcAft>
+                <a:spcPts val="0"/>
+              </a:spcAft>
+              <a:buNone/>
+            </a:pPr>
+            <a:r>
+              <a:t/>
+            </a:r>
+            <a:endParaRPr/>
+          </a:p>
+          <a:p>
+            <a:pPr indent="0" lvl="0" marL="0" rtl="0" algn="l">
+              <a:spcBef>
+                <a:spcPts val="1600"/>
+              </a:spcBef>
+              <a:spcAft>
                 <a:spcPts val="1600"/>
               </a:spcAft>
               <a:buNone/>
@@ -10237,8 +10420,8 @@
         </p:blipFill>
         <p:spPr>
           <a:xfrm>
-            <a:off x="311700" y="1271996"/>
-            <a:ext cx="5913776" cy="2599500"/>
+            <a:off x="916850" y="1318400"/>
+            <a:ext cx="7310299" cy="3161950"/>
           </a:xfrm>
           <a:prstGeom prst="rect">
             <a:avLst/>
@@ -10258,6 +10441,285 @@
 </file>
 
 <file path=ppt/theme/theme1.xml><?xml version="1.0" encoding="utf-8"?>
+<a:theme xmlns:a="http://schemas.openxmlformats.org/drawingml/2006/main" xmlns:r="http://schemas.openxmlformats.org/officeDocument/2006/relationships">
+  <a:themeElements>
+    <a:clrScheme name="Default">
+      <a:dk1>
+        <a:srgbClr val="000000"/>
+      </a:dk1>
+      <a:lt1>
+        <a:srgbClr val="FFFFFF"/>
+      </a:lt1>
+      <a:dk2>
+        <a:srgbClr val="158158"/>
+      </a:dk2>
+      <a:lt2>
+        <a:srgbClr val="F3F3F3"/>
+      </a:lt2>
+      <a:accent1>
+        <a:srgbClr val="058DC7"/>
+      </a:accent1>
+      <a:accent2>
+        <a:srgbClr val="50B432"/>
+      </a:accent2>
+      <a:accent3>
+        <a:srgbClr val="ED561B"/>
+      </a:accent3>
+      <a:accent4>
+        <a:srgbClr val="EDEF00"/>
+      </a:accent4>
+      <a:accent5>
+        <a:srgbClr val="24CBE5"/>
+      </a:accent5>
+      <a:accent6>
+        <a:srgbClr val="64E572"/>
+      </a:accent6>
+      <a:hlink>
+        <a:srgbClr val="2200CC"/>
+      </a:hlink>
+      <a:folHlink>
+        <a:srgbClr val="551A8B"/>
+      </a:folHlink>
+    </a:clrScheme>
+    <a:fontScheme name="Office">
+      <a:majorFont>
+        <a:latin typeface="Arial"/>
+        <a:ea typeface=""/>
+        <a:cs typeface=""/>
+        <a:font script="Jpan" typeface="ＭＳ Ｐゴシック"/>
+        <a:font script="Hang" typeface="맑은 고딕"/>
+        <a:font script="Hans" typeface="宋体"/>
+        <a:font script="Hant" typeface="新細明體"/>
+        <a:font script="Arab" typeface="Times New Roman"/>
+        <a:font script="Hebr" typeface="Times New Roman"/>
+        <a:font script="Thai" typeface="Angsana New"/>
+        <a:font script="Ethi" typeface="Nyala"/>
+        <a:font script="Beng" typeface="Vrinda"/>
+        <a:font script="Gujr" typeface="Shruti"/>
+        <a:font script="Khmr" typeface="MoolBoran"/>
+        <a:font script="Knda" typeface="Tunga"/>
+        <a:font script="Guru" typeface="Raavi"/>
+        <a:font script="Cans" typeface="Euphemia"/>
+        <a:font script="Cher" typeface="Plantagenet Cherokee"/>
+        <a:font script="Yiii" typeface="Microsoft Yi Baiti"/>
+        <a:font script="Tibt" typeface="Microsoft Himalaya"/>
+        <a:font script="Thaa" typeface="MV Boli"/>
+        <a:font script="Deva" typeface="Mangal"/>
+        <a:font script="Telu" typeface="Gautami"/>
+        <a:font script="Taml" typeface="Latha"/>
+        <a:font script="Syrc" typeface="Estrangelo Edessa"/>
+        <a:font script="Orya" typeface="Kalinga"/>
+        <a:font script="Mlym" typeface="Kartika"/>
+        <a:font script="Laoo" typeface="DokChampa"/>
+        <a:font script="Sinh" typeface="Iskoola Pota"/>
+        <a:font script="Mong" typeface="Mongolian Baiti"/>
+        <a:font script="Viet" typeface="Times New Roman"/>
+        <a:font script="Uigh" typeface="Microsoft Uighur"/>
+        <a:font script="Geor" typeface="Sylfaen"/>
+      </a:majorFont>
+      <a:minorFont>
+        <a:latin typeface="Arial"/>
+        <a:ea typeface=""/>
+        <a:cs typeface=""/>
+        <a:font script="Jpan" typeface="ＭＳ Ｐゴシック"/>
+        <a:font script="Hang" typeface="맑은 고딕"/>
+        <a:font script="Hans" typeface="宋体"/>
+        <a:font script="Hant" typeface="新細明體"/>
+        <a:font script="Arab" typeface="Arial"/>
+        <a:font script="Hebr" typeface="Arial"/>
+        <a:font script="Thai" typeface="Cordia New"/>
+        <a:font script="Ethi" typeface="Nyala"/>
+        <a:font script="Beng" typeface="Vrinda"/>
+        <a:font script="Gujr" typeface="Shruti"/>
+        <a:font script="Khmr" typeface="DaunPenh"/>
+        <a:font script="Knda" typeface="Tunga"/>
+        <a:font script="Guru" typeface="Raavi"/>
+        <a:font script="Cans" typeface="Euphemia"/>
+        <a:font script="Cher" typeface="Plantagenet Cherokee"/>
+        <a:font script="Yiii" typeface="Microsoft Yi Baiti"/>
+        <a:font script="Tibt" typeface="Microsoft Himalaya"/>
+        <a:font script="Thaa" typeface="MV Boli"/>
+        <a:font script="Deva" typeface="Mangal"/>
+        <a:font script="Telu" typeface="Gautami"/>
+        <a:font script="Taml" typeface="Latha"/>
+        <a:font script="Syrc" typeface="Estrangelo Edessa"/>
+        <a:font script="Orya" typeface="Kalinga"/>
+        <a:font script="Mlym" typeface="Kartika"/>
+        <a:font script="Laoo" typeface="DokChampa"/>
+        <a:font script="Sinh" typeface="Iskoola Pota"/>
+        <a:font script="Mong" typeface="Mongolian Baiti"/>
+        <a:font script="Viet" typeface="Arial"/>
+        <a:font script="Uigh" typeface="Microsoft Uighur"/>
+        <a:font script="Geor" typeface="Sylfaen"/>
+      </a:minorFont>
+    </a:fontScheme>
+    <a:fmtScheme name="Office">
+      <a:fillStyleLst>
+        <a:solidFill>
+          <a:schemeClr val="phClr"/>
+        </a:solidFill>
+        <a:gradFill rotWithShape="1">
+          <a:gsLst>
+            <a:gs pos="0">
+              <a:schemeClr val="phClr">
+                <a:tint val="50000"/>
+                <a:satMod val="300000"/>
+              </a:schemeClr>
+            </a:gs>
+            <a:gs pos="35000">
+              <a:schemeClr val="phClr">
+                <a:tint val="37000"/>
+                <a:satMod val="300000"/>
+              </a:schemeClr>
+            </a:gs>
+            <a:gs pos="100000">
+              <a:schemeClr val="phClr">
+                <a:tint val="15000"/>
+                <a:satMod val="350000"/>
+              </a:schemeClr>
+            </a:gs>
+          </a:gsLst>
+          <a:lin ang="16200000" scaled="1"/>
+        </a:gradFill>
+        <a:gradFill rotWithShape="1">
+          <a:gsLst>
+            <a:gs pos="0">
+              <a:schemeClr val="phClr">
+                <a:tint val="100000"/>
+                <a:shade val="100000"/>
+                <a:satMod val="130000"/>
+              </a:schemeClr>
+            </a:gs>
+            <a:gs pos="100000">
+              <a:schemeClr val="phClr">
+                <a:tint val="50000"/>
+                <a:shade val="100000"/>
+                <a:satMod val="350000"/>
+              </a:schemeClr>
+            </a:gs>
+          </a:gsLst>
+          <a:lin ang="16200000" scaled="0"/>
+        </a:gradFill>
+      </a:fillStyleLst>
+      <a:lnStyleLst>
+        <a:ln w="9525" cap="flat" cmpd="sng" algn="ctr">
+          <a:solidFill>
+            <a:schemeClr val="phClr">
+              <a:shade val="95000"/>
+              <a:satMod val="105000"/>
+            </a:schemeClr>
+          </a:solidFill>
+          <a:prstDash val="solid"/>
+        </a:ln>
+        <a:ln w="25400" cap="flat" cmpd="sng" algn="ctr">
+          <a:solidFill>
+            <a:schemeClr val="phClr"/>
+          </a:solidFill>
+          <a:prstDash val="solid"/>
+        </a:ln>
+        <a:ln w="38100" cap="flat" cmpd="sng" algn="ctr">
+          <a:solidFill>
+            <a:schemeClr val="phClr"/>
+          </a:solidFill>
+          <a:prstDash val="solid"/>
+        </a:ln>
+      </a:lnStyleLst>
+      <a:effectStyleLst>
+        <a:effectStyle>
+          <a:effectLst>
+            <a:outerShdw blurRad="40000" dist="20000" dir="5400000" rotWithShape="0">
+              <a:srgbClr val="000000">
+                <a:alpha val="38000"/>
+              </a:srgbClr>
+            </a:outerShdw>
+          </a:effectLst>
+        </a:effectStyle>
+        <a:effectStyle>
+          <a:effectLst>
+            <a:outerShdw blurRad="40000" dist="23000" dir="5400000" rotWithShape="0">
+              <a:srgbClr val="000000">
+                <a:alpha val="35000"/>
+              </a:srgbClr>
+            </a:outerShdw>
+          </a:effectLst>
+        </a:effectStyle>
+        <a:effectStyle>
+          <a:effectLst>
+            <a:outerShdw blurRad="40000" dist="23000" dir="5400000" rotWithShape="0">
+              <a:srgbClr val="000000">
+                <a:alpha val="35000"/>
+              </a:srgbClr>
+            </a:outerShdw>
+          </a:effectLst>
+          <a:scene3d>
+            <a:camera prst="orthographicFront">
+              <a:rot lat="0" lon="0" rev="0"/>
+            </a:camera>
+            <a:lightRig rig="threePt" dir="t">
+              <a:rot lat="0" lon="0" rev="1200000"/>
+            </a:lightRig>
+          </a:scene3d>
+          <a:sp3d>
+            <a:bevelT w="63500" h="25400"/>
+          </a:sp3d>
+        </a:effectStyle>
+      </a:effectStyleLst>
+      <a:bgFillStyleLst>
+        <a:solidFill>
+          <a:schemeClr val="phClr"/>
+        </a:solidFill>
+        <a:gradFill rotWithShape="1">
+          <a:gsLst>
+            <a:gs pos="0">
+              <a:schemeClr val="phClr">
+                <a:tint val="40000"/>
+                <a:satMod val="350000"/>
+              </a:schemeClr>
+            </a:gs>
+            <a:gs pos="40000">
+              <a:schemeClr val="phClr">
+                <a:tint val="45000"/>
+                <a:shade val="99000"/>
+                <a:satMod val="350000"/>
+              </a:schemeClr>
+            </a:gs>
+            <a:gs pos="100000">
+              <a:schemeClr val="phClr">
+                <a:shade val="20000"/>
+                <a:satMod val="255000"/>
+              </a:schemeClr>
+            </a:gs>
+          </a:gsLst>
+          <a:path path="circle">
+            <a:fillToRect l="50000" t="-80000" r="50000" b="180000"/>
+          </a:path>
+        </a:gradFill>
+        <a:gradFill rotWithShape="1">
+          <a:gsLst>
+            <a:gs pos="0">
+              <a:schemeClr val="phClr">
+                <a:tint val="80000"/>
+                <a:satMod val="300000"/>
+              </a:schemeClr>
+            </a:gs>
+            <a:gs pos="100000">
+              <a:schemeClr val="phClr">
+                <a:shade val="30000"/>
+                <a:satMod val="200000"/>
+              </a:schemeClr>
+            </a:gs>
+          </a:gsLst>
+          <a:path path="circle">
+            <a:fillToRect l="50000" t="50000" r="50000" b="50000"/>
+          </a:path>
+        </a:gradFill>
+      </a:bgFillStyleLst>
+    </a:fmtScheme>
+  </a:themeElements>
+</a:theme>
+</file>
+
+<file path=ppt/theme/theme2.xml><?xml version="1.0" encoding="utf-8"?>
 <a:theme xmlns:a="http://schemas.openxmlformats.org/drawingml/2006/main" xmlns:r="http://schemas.openxmlformats.org/officeDocument/2006/relationships" name="Geometric">
   <a:themeElements>
     <a:clrScheme name="Geometric">
@@ -10534,283 +10996,4 @@
     </a:fmtScheme>
   </a:themeElements>
 </a:theme>
-</file>
-
-<file path=ppt/theme/theme2.xml><?xml version="1.0" encoding="utf-8"?>
-<a:theme xmlns:a="http://schemas.openxmlformats.org/drawingml/2006/main" xmlns:r="http://schemas.openxmlformats.org/officeDocument/2006/relationships">
-  <a:themeElements>
-    <a:clrScheme name="Default">
-      <a:dk1>
-        <a:srgbClr val="000000"/>
-      </a:dk1>
-      <a:lt1>
-        <a:srgbClr val="FFFFFF"/>
-      </a:lt1>
-      <a:dk2>
-        <a:srgbClr val="158158"/>
-      </a:dk2>
-      <a:lt2>
-        <a:srgbClr val="F3F3F3"/>
-      </a:lt2>
-      <a:accent1>
-        <a:srgbClr val="058DC7"/>
-      </a:accent1>
-      <a:accent2>
-        <a:srgbClr val="50B432"/>
-      </a:accent2>
-      <a:accent3>
-        <a:srgbClr val="ED561B"/>
-      </a:accent3>
-      <a:accent4>
-        <a:srgbClr val="EDEF00"/>
-      </a:accent4>
-      <a:accent5>
-        <a:srgbClr val="24CBE5"/>
-      </a:accent5>
-      <a:accent6>
-        <a:srgbClr val="64E572"/>
-      </a:accent6>
-      <a:hlink>
-        <a:srgbClr val="2200CC"/>
-      </a:hlink>
-      <a:folHlink>
-        <a:srgbClr val="551A8B"/>
-      </a:folHlink>
-    </a:clrScheme>
-    <a:fontScheme name="Office">
-      <a:majorFont>
-        <a:latin typeface="Arial"/>
-        <a:ea typeface=""/>
-        <a:cs typeface=""/>
-        <a:font script="Jpan" typeface="ＭＳ Ｐゴシック"/>
-        <a:font script="Hang" typeface="맑은 고딕"/>
-        <a:font script="Hans" typeface="宋体"/>
-        <a:font script="Hant" typeface="新細明體"/>
-        <a:font script="Arab" typeface="Times New Roman"/>
-        <a:font script="Hebr" typeface="Times New Roman"/>
-        <a:font script="Thai" typeface="Angsana New"/>
-        <a:font script="Ethi" typeface="Nyala"/>
-        <a:font script="Beng" typeface="Vrinda"/>
-        <a:font script="Gujr" typeface="Shruti"/>
-        <a:font script="Khmr" typeface="MoolBoran"/>
-        <a:font script="Knda" typeface="Tunga"/>
-        <a:font script="Guru" typeface="Raavi"/>
-        <a:font script="Cans" typeface="Euphemia"/>
-        <a:font script="Cher" typeface="Plantagenet Cherokee"/>
-        <a:font script="Yiii" typeface="Microsoft Yi Baiti"/>
-        <a:font script="Tibt" typeface="Microsoft Himalaya"/>
-        <a:font script="Thaa" typeface="MV Boli"/>
-        <a:font script="Deva" typeface="Mangal"/>
-        <a:font script="Telu" typeface="Gautami"/>
-        <a:font script="Taml" typeface="Latha"/>
-        <a:font script="Syrc" typeface="Estrangelo Edessa"/>
-        <a:font script="Orya" typeface="Kalinga"/>
-        <a:font script="Mlym" typeface="Kartika"/>
-        <a:font script="Laoo" typeface="DokChampa"/>
-        <a:font script="Sinh" typeface="Iskoola Pota"/>
-        <a:font script="Mong" typeface="Mongolian Baiti"/>
-        <a:font script="Viet" typeface="Times New Roman"/>
-        <a:font script="Uigh" typeface="Microsoft Uighur"/>
-        <a:font script="Geor" typeface="Sylfaen"/>
-      </a:majorFont>
-      <a:minorFont>
-        <a:latin typeface="Arial"/>
-        <a:ea typeface=""/>
-        <a:cs typeface=""/>
-        <a:font script="Jpan" typeface="ＭＳ Ｐゴシック"/>
-        <a:font script="Hang" typeface="맑은 고딕"/>
-        <a:font script="Hans" typeface="宋体"/>
-        <a:font script="Hant" typeface="新細明體"/>
-        <a:font script="Arab" typeface="Arial"/>
-        <a:font script="Hebr" typeface="Arial"/>
-        <a:font script="Thai" typeface="Cordia New"/>
-        <a:font script="Ethi" typeface="Nyala"/>
-        <a:font script="Beng" typeface="Vrinda"/>
-        <a:font script="Gujr" typeface="Shruti"/>
-        <a:font script="Khmr" typeface="DaunPenh"/>
-        <a:font script="Knda" typeface="Tunga"/>
-        <a:font script="Guru" typeface="Raavi"/>
-        <a:font script="Cans" typeface="Euphemia"/>
-        <a:font script="Cher" typeface="Plantagenet Cherokee"/>
-        <a:font script="Yiii" typeface="Microsoft Yi Baiti"/>
-        <a:font script="Tibt" typeface="Microsoft Himalaya"/>
-        <a:font script="Thaa" typeface="MV Boli"/>
-        <a:font script="Deva" typeface="Mangal"/>
-        <a:font script="Telu" typeface="Gautami"/>
-        <a:font script="Taml" typeface="Latha"/>
-        <a:font script="Syrc" typeface="Estrangelo Edessa"/>
-        <a:font script="Orya" typeface="Kalinga"/>
-        <a:font script="Mlym" typeface="Kartika"/>
-        <a:font script="Laoo" typeface="DokChampa"/>
-        <a:font script="Sinh" typeface="Iskoola Pota"/>
-        <a:font script="Mong" typeface="Mongolian Baiti"/>
-        <a:font script="Viet" typeface="Arial"/>
-        <a:font script="Uigh" typeface="Microsoft Uighur"/>
-        <a:font script="Geor" typeface="Sylfaen"/>
-      </a:minorFont>
-    </a:fontScheme>
-    <a:fmtScheme name="Office">
-      <a:fillStyleLst>
-        <a:solidFill>
-          <a:schemeClr val="phClr"/>
-        </a:solidFill>
-        <a:gradFill rotWithShape="1">
-          <a:gsLst>
-            <a:gs pos="0">
-              <a:schemeClr val="phClr">
-                <a:tint val="50000"/>
-                <a:satMod val="300000"/>
-              </a:schemeClr>
-            </a:gs>
-            <a:gs pos="35000">
-              <a:schemeClr val="phClr">
-                <a:tint val="37000"/>
-                <a:satMod val="300000"/>
-              </a:schemeClr>
-            </a:gs>
-            <a:gs pos="100000">
-              <a:schemeClr val="phClr">
-                <a:tint val="15000"/>
-                <a:satMod val="350000"/>
-              </a:schemeClr>
-            </a:gs>
-          </a:gsLst>
-          <a:lin ang="16200000" scaled="1"/>
-        </a:gradFill>
-        <a:gradFill rotWithShape="1">
-          <a:gsLst>
-            <a:gs pos="0">
-              <a:schemeClr val="phClr">
-                <a:tint val="100000"/>
-                <a:shade val="100000"/>
-                <a:satMod val="130000"/>
-              </a:schemeClr>
-            </a:gs>
-            <a:gs pos="100000">
-              <a:schemeClr val="phClr">
-                <a:tint val="50000"/>
-                <a:shade val="100000"/>
-                <a:satMod val="350000"/>
-              </a:schemeClr>
-            </a:gs>
-          </a:gsLst>
-          <a:lin ang="16200000" scaled="0"/>
-        </a:gradFill>
-      </a:fillStyleLst>
-      <a:lnStyleLst>
-        <a:ln w="9525" cap="flat" cmpd="sng" algn="ctr">
-          <a:solidFill>
-            <a:schemeClr val="phClr">
-              <a:shade val="95000"/>
-              <a:satMod val="105000"/>
-            </a:schemeClr>
-          </a:solidFill>
-          <a:prstDash val="solid"/>
-        </a:ln>
-        <a:ln w="25400" cap="flat" cmpd="sng" algn="ctr">
-          <a:solidFill>
-            <a:schemeClr val="phClr"/>
-          </a:solidFill>
-          <a:prstDash val="solid"/>
-        </a:ln>
-        <a:ln w="38100" cap="flat" cmpd="sng" algn="ctr">
-          <a:solidFill>
-            <a:schemeClr val="phClr"/>
-          </a:solidFill>
-          <a:prstDash val="solid"/>
-        </a:ln>
-      </a:lnStyleLst>
-      <a:effectStyleLst>
-        <a:effectStyle>
-          <a:effectLst>
-            <a:outerShdw blurRad="40000" dist="20000" dir="5400000" rotWithShape="0">
-              <a:srgbClr val="000000">
-                <a:alpha val="38000"/>
-              </a:srgbClr>
-            </a:outerShdw>
-          </a:effectLst>
-        </a:effectStyle>
-        <a:effectStyle>
-          <a:effectLst>
-            <a:outerShdw blurRad="40000" dist="23000" dir="5400000" rotWithShape="0">
-              <a:srgbClr val="000000">
-                <a:alpha val="35000"/>
-              </a:srgbClr>
-            </a:outerShdw>
-          </a:effectLst>
-        </a:effectStyle>
-        <a:effectStyle>
-          <a:effectLst>
-            <a:outerShdw blurRad="40000" dist="23000" dir="5400000" rotWithShape="0">
-              <a:srgbClr val="000000">
-                <a:alpha val="35000"/>
-              </a:srgbClr>
-            </a:outerShdw>
-          </a:effectLst>
-          <a:scene3d>
-            <a:camera prst="orthographicFront">
-              <a:rot lat="0" lon="0" rev="0"/>
-            </a:camera>
-            <a:lightRig rig="threePt" dir="t">
-              <a:rot lat="0" lon="0" rev="1200000"/>
-            </a:lightRig>
-          </a:scene3d>
-          <a:sp3d>
-            <a:bevelT w="63500" h="25400"/>
-          </a:sp3d>
-        </a:effectStyle>
-      </a:effectStyleLst>
-      <a:bgFillStyleLst>
-        <a:solidFill>
-          <a:schemeClr val="phClr"/>
-        </a:solidFill>
-        <a:gradFill rotWithShape="1">
-          <a:gsLst>
-            <a:gs pos="0">
-              <a:schemeClr val="phClr">
-                <a:tint val="40000"/>
-                <a:satMod val="350000"/>
-              </a:schemeClr>
-            </a:gs>
-            <a:gs pos="40000">
-              <a:schemeClr val="phClr">
-                <a:tint val="45000"/>
-                <a:shade val="99000"/>
-                <a:satMod val="350000"/>
-              </a:schemeClr>
-            </a:gs>
-            <a:gs pos="100000">
-              <a:schemeClr val="phClr">
-                <a:shade val="20000"/>
-                <a:satMod val="255000"/>
-              </a:schemeClr>
-            </a:gs>
-          </a:gsLst>
-          <a:path path="circle">
-            <a:fillToRect l="50000" t="-80000" r="50000" b="180000"/>
-          </a:path>
-        </a:gradFill>
-        <a:gradFill rotWithShape="1">
-          <a:gsLst>
-            <a:gs pos="0">
-              <a:schemeClr val="phClr">
-                <a:tint val="80000"/>
-                <a:satMod val="300000"/>
-              </a:schemeClr>
-            </a:gs>
-            <a:gs pos="100000">
-              <a:schemeClr val="phClr">
-                <a:shade val="30000"/>
-                <a:satMod val="200000"/>
-              </a:schemeClr>
-            </a:gs>
-          </a:gsLst>
-          <a:path path="circle">
-            <a:fillToRect l="50000" t="50000" r="50000" b="50000"/>
-          </a:path>
-        </a:gradFill>
-      </a:bgFillStyleLst>
-    </a:fmtScheme>
-  </a:themeElements>
-</a:theme>
 </file>